--- a/Docs/Submission/Diagrams.pptx
+++ b/Docs/Submission/Diagrams.pptx
@@ -201,7 +201,7 @@
           <a:p>
             <a:fld id="{BC8B0307-1254-42E7-AB38-21C3A2F07412}" type="datetimeFigureOut">
               <a:rPr lang="en-US" smtClean="0"/>
-              <a:t>17-Jun-18</a:t>
+              <a:t>6/22/2018</a:t>
             </a:fld>
             <a:endParaRPr lang="en-US"/>
           </a:p>
@@ -1020,7 +1020,7 @@
           <a:p>
             <a:fld id="{E5BFB6E3-5002-40C8-B330-EA5A9BC4DBD8}" type="datetimeFigureOut">
               <a:rPr lang="en-US" smtClean="0"/>
-              <a:t>17-Jun-18</a:t>
+              <a:t>6/22/2018</a:t>
             </a:fld>
             <a:endParaRPr lang="en-US"/>
           </a:p>
@@ -1190,7 +1190,7 @@
           <a:p>
             <a:fld id="{E5BFB6E3-5002-40C8-B330-EA5A9BC4DBD8}" type="datetimeFigureOut">
               <a:rPr lang="en-US" smtClean="0"/>
-              <a:t>17-Jun-18</a:t>
+              <a:t>6/22/2018</a:t>
             </a:fld>
             <a:endParaRPr lang="en-US"/>
           </a:p>
@@ -1370,7 +1370,7 @@
           <a:p>
             <a:fld id="{E5BFB6E3-5002-40C8-B330-EA5A9BC4DBD8}" type="datetimeFigureOut">
               <a:rPr lang="en-US" smtClean="0"/>
-              <a:t>17-Jun-18</a:t>
+              <a:t>6/22/2018</a:t>
             </a:fld>
             <a:endParaRPr lang="en-US"/>
           </a:p>
@@ -1540,7 +1540,7 @@
           <a:p>
             <a:fld id="{E5BFB6E3-5002-40C8-B330-EA5A9BC4DBD8}" type="datetimeFigureOut">
               <a:rPr lang="en-US" smtClean="0"/>
-              <a:t>17-Jun-18</a:t>
+              <a:t>6/22/2018</a:t>
             </a:fld>
             <a:endParaRPr lang="en-US"/>
           </a:p>
@@ -1786,7 +1786,7 @@
           <a:p>
             <a:fld id="{E5BFB6E3-5002-40C8-B330-EA5A9BC4DBD8}" type="datetimeFigureOut">
               <a:rPr lang="en-US" smtClean="0"/>
-              <a:t>17-Jun-18</a:t>
+              <a:t>6/22/2018</a:t>
             </a:fld>
             <a:endParaRPr lang="en-US"/>
           </a:p>
@@ -2018,7 +2018,7 @@
           <a:p>
             <a:fld id="{E5BFB6E3-5002-40C8-B330-EA5A9BC4DBD8}" type="datetimeFigureOut">
               <a:rPr lang="en-US" smtClean="0"/>
-              <a:t>17-Jun-18</a:t>
+              <a:t>6/22/2018</a:t>
             </a:fld>
             <a:endParaRPr lang="en-US"/>
           </a:p>
@@ -2385,7 +2385,7 @@
           <a:p>
             <a:fld id="{E5BFB6E3-5002-40C8-B330-EA5A9BC4DBD8}" type="datetimeFigureOut">
               <a:rPr lang="en-US" smtClean="0"/>
-              <a:t>17-Jun-18</a:t>
+              <a:t>6/22/2018</a:t>
             </a:fld>
             <a:endParaRPr lang="en-US"/>
           </a:p>
@@ -2503,7 +2503,7 @@
           <a:p>
             <a:fld id="{E5BFB6E3-5002-40C8-B330-EA5A9BC4DBD8}" type="datetimeFigureOut">
               <a:rPr lang="en-US" smtClean="0"/>
-              <a:t>17-Jun-18</a:t>
+              <a:t>6/22/2018</a:t>
             </a:fld>
             <a:endParaRPr lang="en-US"/>
           </a:p>
@@ -2598,7 +2598,7 @@
           <a:p>
             <a:fld id="{E5BFB6E3-5002-40C8-B330-EA5A9BC4DBD8}" type="datetimeFigureOut">
               <a:rPr lang="en-US" smtClean="0"/>
-              <a:t>17-Jun-18</a:t>
+              <a:t>6/22/2018</a:t>
             </a:fld>
             <a:endParaRPr lang="en-US"/>
           </a:p>
@@ -2875,7 +2875,7 @@
           <a:p>
             <a:fld id="{E5BFB6E3-5002-40C8-B330-EA5A9BC4DBD8}" type="datetimeFigureOut">
               <a:rPr lang="en-US" smtClean="0"/>
-              <a:t>17-Jun-18</a:t>
+              <a:t>6/22/2018</a:t>
             </a:fld>
             <a:endParaRPr lang="en-US"/>
           </a:p>
@@ -3128,7 +3128,7 @@
           <a:p>
             <a:fld id="{E5BFB6E3-5002-40C8-B330-EA5A9BC4DBD8}" type="datetimeFigureOut">
               <a:rPr lang="en-US" smtClean="0"/>
-              <a:t>17-Jun-18</a:t>
+              <a:t>6/22/2018</a:t>
             </a:fld>
             <a:endParaRPr lang="en-US"/>
           </a:p>
@@ -3341,7 +3341,7 @@
           <a:p>
             <a:fld id="{E5BFB6E3-5002-40C8-B330-EA5A9BC4DBD8}" type="datetimeFigureOut">
               <a:rPr lang="en-US" smtClean="0"/>
-              <a:t>17-Jun-18</a:t>
+              <a:t>6/22/2018</a:t>
             </a:fld>
             <a:endParaRPr lang="en-US"/>
           </a:p>
@@ -4598,23 +4598,7 @@
                     <a:schemeClr val="bg1"/>
                   </a:solidFill>
                 </a:rPr>
-                <a:t>Set </a:t>
-              </a:r>
-              <a:r>
-                <a:rPr lang="en-US" dirty="0" smtClean="0">
-                  <a:solidFill>
-                    <a:schemeClr val="bg1"/>
-                  </a:solidFill>
-                </a:rPr>
-                <a:t>Node 1 </a:t>
-              </a:r>
-              <a:r>
-                <a:rPr lang="en-US" dirty="0" smtClean="0">
-                  <a:solidFill>
-                    <a:schemeClr val="bg1"/>
-                  </a:solidFill>
-                </a:rPr>
-                <a:t>as Master</a:t>
+                <a:t>Set Node 1 as Master</a:t>
               </a:r>
               <a:endParaRPr lang="en-US" dirty="0">
                 <a:solidFill>
@@ -6236,11 +6220,7 @@
               <a:pPr algn="ctr"/>
               <a:r>
                 <a:rPr lang="en-US" dirty="0" smtClean="0"/>
-                <a:t>Node </a:t>
-              </a:r>
-              <a:r>
-                <a:rPr lang="en-US" dirty="0" smtClean="0"/>
-                <a:t>X</a:t>
+                <a:t>Node X</a:t>
               </a:r>
               <a:endParaRPr lang="en-US" dirty="0"/>
             </a:p>
@@ -6892,7 +6872,6 @@
                 <a:rPr lang="en-US" dirty="0"/>
                 <a:t>B</a:t>
               </a:r>
-              <a:endParaRPr lang="en-US" dirty="0"/>
             </a:p>
           </p:txBody>
         </p:sp>
@@ -7356,61 +7335,18 @@
       </p:grpSpPr>
       <p:grpSp>
         <p:nvGrpSpPr>
-          <p:cNvPr id="25" name="Group 24"/>
+          <p:cNvPr id="4" name="קבוצה 3"/>
           <p:cNvGrpSpPr/>
           <p:nvPr/>
         </p:nvGrpSpPr>
         <p:grpSpPr>
           <a:xfrm>
             <a:off x="1024031" y="1009294"/>
-            <a:ext cx="7034122" cy="3873257"/>
+            <a:ext cx="6016208" cy="3873257"/>
             <a:chOff x="1024031" y="1009294"/>
-            <a:chExt cx="7034122" cy="3873257"/>
+            <a:chExt cx="6016208" cy="3873257"/>
           </a:xfrm>
         </p:grpSpPr>
-        <p:sp>
-          <p:nvSpPr>
-            <p:cNvPr id="21" name="Rectangle 20"/>
-            <p:cNvSpPr/>
-            <p:nvPr/>
-          </p:nvSpPr>
-          <p:spPr>
-            <a:xfrm>
-              <a:off x="5351612" y="2878483"/>
-              <a:ext cx="1394245" cy="199549"/>
-            </a:xfrm>
-            <a:prstGeom prst="rect">
-              <a:avLst/>
-            </a:prstGeom>
-          </p:spPr>
-          <p:style>
-            <a:lnRef idx="2">
-              <a:schemeClr val="accent1">
-                <a:shade val="50000"/>
-              </a:schemeClr>
-            </a:lnRef>
-            <a:fillRef idx="1">
-              <a:schemeClr val="accent1"/>
-            </a:fillRef>
-            <a:effectRef idx="0">
-              <a:schemeClr val="accent1"/>
-            </a:effectRef>
-            <a:fontRef idx="minor">
-              <a:schemeClr val="lt1"/>
-            </a:fontRef>
-          </p:style>
-          <p:txBody>
-            <a:bodyPr rtlCol="0" anchor="ctr"/>
-            <a:lstStyle/>
-            <a:p>
-              <a:r>
-                <a:rPr lang="en-US" sz="1200" dirty="0" smtClean="0"/>
-                <a:t>Encrypted Message</a:t>
-              </a:r>
-              <a:endParaRPr lang="en-US" sz="1200" dirty="0"/>
-            </a:p>
-          </p:txBody>
-        </p:sp>
         <p:sp>
           <p:nvSpPr>
             <p:cNvPr id="20" name="Rectangle 19"/>
@@ -7591,7 +7527,7 @@
           </p:nvCxnSpPr>
           <p:spPr>
             <a:xfrm>
-              <a:off x="7207372" y="1406103"/>
+              <a:off x="6189458" y="1406103"/>
               <a:ext cx="26956" cy="3476448"/>
             </a:xfrm>
             <a:prstGeom prst="line">
@@ -7621,7 +7557,7 @@
           </p:nvSpPr>
           <p:spPr>
             <a:xfrm>
-              <a:off x="7097385" y="1574318"/>
+              <a:off x="6079471" y="1574318"/>
               <a:ext cx="226444" cy="3083948"/>
             </a:xfrm>
             <a:prstGeom prst="rect">
@@ -7664,7 +7600,7 @@
           </p:nvSpPr>
           <p:spPr>
             <a:xfrm>
-              <a:off x="6512945" y="1043794"/>
+              <a:off x="5495031" y="1043794"/>
               <a:ext cx="1388853" cy="362309"/>
             </a:xfrm>
             <a:prstGeom prst="roundRect">
@@ -7702,13 +7638,52 @@
               <a:pPr algn="ctr"/>
               <a:r>
                 <a:rPr lang="en-US" dirty="0" smtClean="0"/>
-                <a:t>Node </a:t>
-              </a:r>
-              <a:r>
-                <a:rPr lang="en-US" dirty="0" smtClean="0"/>
-                <a:t>B</a:t>
+                <a:t>Node B</a:t>
               </a:r>
               <a:endParaRPr lang="en-US" dirty="0"/>
+            </a:p>
+          </p:txBody>
+        </p:sp>
+        <p:sp>
+          <p:nvSpPr>
+            <p:cNvPr id="21" name="Rectangle 20"/>
+            <p:cNvSpPr/>
+            <p:nvPr/>
+          </p:nvSpPr>
+          <p:spPr>
+            <a:xfrm>
+              <a:off x="4779034" y="2843547"/>
+              <a:ext cx="1037346" cy="208339"/>
+            </a:xfrm>
+            <a:prstGeom prst="rect">
+              <a:avLst/>
+            </a:prstGeom>
+          </p:spPr>
+          <p:style>
+            <a:lnRef idx="2">
+              <a:schemeClr val="accent1">
+                <a:shade val="50000"/>
+              </a:schemeClr>
+            </a:lnRef>
+            <a:fillRef idx="1">
+              <a:schemeClr val="accent1"/>
+            </a:fillRef>
+            <a:effectRef idx="0">
+              <a:schemeClr val="accent1"/>
+            </a:effectRef>
+            <a:fontRef idx="minor">
+              <a:schemeClr val="lt1"/>
+            </a:fontRef>
+          </p:style>
+          <p:txBody>
+            <a:bodyPr rtlCol="0" anchor="ctr"/>
+            <a:lstStyle/>
+            <a:p>
+              <a:r>
+                <a:rPr lang="en-US" sz="800" dirty="0" smtClean="0"/>
+                <a:t>Encrypted Message</a:t>
+              </a:r>
+              <a:endParaRPr lang="en-US" sz="800" dirty="0"/>
             </a:p>
           </p:txBody>
         </p:sp>
@@ -7720,8 +7695,8 @@
           </p:nvCxnSpPr>
           <p:spPr>
             <a:xfrm flipV="1">
-              <a:off x="3571335" y="3183130"/>
-              <a:ext cx="3546536" cy="11108"/>
+              <a:off x="3571335" y="3143213"/>
+              <a:ext cx="2508136" cy="9653"/>
             </a:xfrm>
             <a:prstGeom prst="straightConnector1">
               <a:avLst/>
@@ -7756,8 +7731,8 @@
           </p:nvSpPr>
           <p:spPr>
             <a:xfrm>
-              <a:off x="4382217" y="3060202"/>
-              <a:ext cx="1882716" cy="245856"/>
+              <a:off x="4044710" y="3036392"/>
+              <a:ext cx="1431557" cy="213641"/>
             </a:xfrm>
             <a:prstGeom prst="rect">
               <a:avLst/>
@@ -7793,14 +7768,14 @@
             <a:p>
               <a:pPr algn="ctr"/>
               <a:r>
-                <a:rPr lang="en-US" sz="1600" dirty="0" smtClean="0">
+                <a:rPr lang="en-US" sz="1400" dirty="0" smtClean="0">
                   <a:solidFill>
                     <a:schemeClr val="tx1"/>
                   </a:solidFill>
                 </a:rPr>
                 <a:t>Data Encrypted</a:t>
               </a:r>
-              <a:endParaRPr lang="en-US" sz="1600" dirty="0">
+              <a:endParaRPr lang="en-US" sz="1400" dirty="0">
                 <a:solidFill>
                   <a:schemeClr val="tx1"/>
                 </a:solidFill>
@@ -7880,7 +7855,7 @@
           </p:nvSpPr>
           <p:spPr>
             <a:xfrm>
-              <a:off x="6434052" y="3549699"/>
+              <a:off x="5416138" y="3549699"/>
               <a:ext cx="1624101" cy="808901"/>
             </a:xfrm>
             <a:prstGeom prst="rect">
